--- a/4820/presentation/epaulz_fti-presentation.pptx
+++ b/4820/presentation/epaulz_fti-presentation.pptx
@@ -33,6 +33,7 @@
     <p:sldId id="281" r:id="rId27"/>
     <p:sldId id="282" r:id="rId28"/>
     <p:sldId id="283" r:id="rId29"/>
+    <p:sldId id="284" r:id="rId30"/>
   </p:sldIdLst>
   <p:sldSz cx="12192000" cy="6858000"/>
   <p:notesSz cx="6858000" cy="9144000"/>
@@ -861,7 +862,7 @@
           <a:p>
             <a:fld id="{D95CBDE9-3C40-4C21-9246-78954B70B6E4}" type="datetimeFigureOut">
               <a:rPr lang="en-US" smtClean="0"/>
-              <a:t>9/19/2018</a:t>
+              <a:t>9/20/2018</a:t>
             </a:fld>
             <a:endParaRPr lang="en-US"/>
           </a:p>
@@ -1112,7 +1113,7 @@
           <a:p>
             <a:fld id="{D95CBDE9-3C40-4C21-9246-78954B70B6E4}" type="datetimeFigureOut">
               <a:rPr lang="en-US" smtClean="0"/>
-              <a:t>9/19/2018</a:t>
+              <a:t>9/20/2018</a:t>
             </a:fld>
             <a:endParaRPr lang="en-US"/>
           </a:p>
@@ -1426,7 +1427,7 @@
           <a:p>
             <a:fld id="{D95CBDE9-3C40-4C21-9246-78954B70B6E4}" type="datetimeFigureOut">
               <a:rPr lang="en-US" smtClean="0"/>
-              <a:t>9/19/2018</a:t>
+              <a:t>9/20/2018</a:t>
             </a:fld>
             <a:endParaRPr lang="en-US"/>
           </a:p>
@@ -1767,7 +1768,7 @@
           <a:p>
             <a:fld id="{D95CBDE9-3C40-4C21-9246-78954B70B6E4}" type="datetimeFigureOut">
               <a:rPr lang="en-US" smtClean="0"/>
-              <a:t>9/19/2018</a:t>
+              <a:t>9/20/2018</a:t>
             </a:fld>
             <a:endParaRPr lang="en-US"/>
           </a:p>
@@ -2081,7 +2082,7 @@
           <a:p>
             <a:fld id="{D95CBDE9-3C40-4C21-9246-78954B70B6E4}" type="datetimeFigureOut">
               <a:rPr lang="en-US" smtClean="0"/>
-              <a:t>9/19/2018</a:t>
+              <a:t>9/20/2018</a:t>
             </a:fld>
             <a:endParaRPr lang="en-US"/>
           </a:p>
@@ -2474,7 +2475,7 @@
           <a:p>
             <a:fld id="{D95CBDE9-3C40-4C21-9246-78954B70B6E4}" type="datetimeFigureOut">
               <a:rPr lang="en-US" smtClean="0"/>
-              <a:t>9/19/2018</a:t>
+              <a:t>9/20/2018</a:t>
             </a:fld>
             <a:endParaRPr lang="en-US"/>
           </a:p>
@@ -2644,7 +2645,7 @@
           <a:p>
             <a:fld id="{D95CBDE9-3C40-4C21-9246-78954B70B6E4}" type="datetimeFigureOut">
               <a:rPr lang="en-US" smtClean="0"/>
-              <a:t>9/19/2018</a:t>
+              <a:t>9/20/2018</a:t>
             </a:fld>
             <a:endParaRPr lang="en-US"/>
           </a:p>
@@ -2824,7 +2825,7 @@
           <a:p>
             <a:fld id="{D95CBDE9-3C40-4C21-9246-78954B70B6E4}" type="datetimeFigureOut">
               <a:rPr lang="en-US" smtClean="0"/>
-              <a:t>9/19/2018</a:t>
+              <a:t>9/20/2018</a:t>
             </a:fld>
             <a:endParaRPr lang="en-US"/>
           </a:p>
@@ -3000,7 +3001,7 @@
           <a:p>
             <a:fld id="{D95CBDE9-3C40-4C21-9246-78954B70B6E4}" type="datetimeFigureOut">
               <a:rPr lang="en-US" smtClean="0"/>
-              <a:t>9/19/2018</a:t>
+              <a:t>9/20/2018</a:t>
             </a:fld>
             <a:endParaRPr lang="en-US"/>
           </a:p>
@@ -3247,7 +3248,7 @@
           <a:p>
             <a:fld id="{D95CBDE9-3C40-4C21-9246-78954B70B6E4}" type="datetimeFigureOut">
               <a:rPr lang="en-US" smtClean="0"/>
-              <a:t>9/19/2018</a:t>
+              <a:t>9/20/2018</a:t>
             </a:fld>
             <a:endParaRPr lang="en-US"/>
           </a:p>
@@ -3479,7 +3480,7 @@
           <a:p>
             <a:fld id="{D95CBDE9-3C40-4C21-9246-78954B70B6E4}" type="datetimeFigureOut">
               <a:rPr lang="en-US" smtClean="0"/>
-              <a:t>9/19/2018</a:t>
+              <a:t>9/20/2018</a:t>
             </a:fld>
             <a:endParaRPr lang="en-US"/>
           </a:p>
@@ -3853,7 +3854,7 @@
           <a:p>
             <a:fld id="{D95CBDE9-3C40-4C21-9246-78954B70B6E4}" type="datetimeFigureOut">
               <a:rPr lang="en-US" smtClean="0"/>
-              <a:t>9/19/2018</a:t>
+              <a:t>9/20/2018</a:t>
             </a:fld>
             <a:endParaRPr lang="en-US"/>
           </a:p>
@@ -3976,7 +3977,7 @@
           <a:p>
             <a:fld id="{D95CBDE9-3C40-4C21-9246-78954B70B6E4}" type="datetimeFigureOut">
               <a:rPr lang="en-US" smtClean="0"/>
-              <a:t>9/19/2018</a:t>
+              <a:t>9/20/2018</a:t>
             </a:fld>
             <a:endParaRPr lang="en-US"/>
           </a:p>
@@ -4071,7 +4072,7 @@
           <a:p>
             <a:fld id="{D95CBDE9-3C40-4C21-9246-78954B70B6E4}" type="datetimeFigureOut">
               <a:rPr lang="en-US" smtClean="0"/>
-              <a:t>9/19/2018</a:t>
+              <a:t>9/20/2018</a:t>
             </a:fld>
             <a:endParaRPr lang="en-US"/>
           </a:p>
@@ -4326,7 +4327,7 @@
           <a:p>
             <a:fld id="{D95CBDE9-3C40-4C21-9246-78954B70B6E4}" type="datetimeFigureOut">
               <a:rPr lang="en-US" smtClean="0"/>
-              <a:t>9/19/2018</a:t>
+              <a:t>9/20/2018</a:t>
             </a:fld>
             <a:endParaRPr lang="en-US"/>
           </a:p>
@@ -4589,7 +4590,7 @@
           <a:p>
             <a:fld id="{D95CBDE9-3C40-4C21-9246-78954B70B6E4}" type="datetimeFigureOut">
               <a:rPr lang="en-US" smtClean="0"/>
-              <a:t>9/19/2018</a:t>
+              <a:t>9/20/2018</a:t>
             </a:fld>
             <a:endParaRPr lang="en-US"/>
           </a:p>
@@ -5332,7 +5333,7 @@
           <a:p>
             <a:fld id="{D95CBDE9-3C40-4C21-9246-78954B70B6E4}" type="datetimeFigureOut">
               <a:rPr lang="en-US" smtClean="0"/>
-              <a:t>9/19/2018</a:t>
+              <a:t>9/20/2018</a:t>
             </a:fld>
             <a:endParaRPr lang="en-US"/>
           </a:p>
@@ -6855,9 +6856,16 @@
             <p:ph idx="1"/>
           </p:nvPr>
         </p:nvSpPr>
-        <p:spPr/>
-        <p:txBody>
-          <a:bodyPr/>
+        <p:spPr>
+          <a:xfrm>
+            <a:off x="677334" y="2038669"/>
+            <a:ext cx="8596668" cy="4440508"/>
+          </a:xfrm>
+        </p:spPr>
+        <p:txBody>
+          <a:bodyPr>
+            <a:normAutofit/>
+          </a:bodyPr>
           <a:lstStyle/>
           <a:p>
             <a:r>
@@ -6905,6 +6913,16 @@
             <a:r>
               <a:rPr lang="en-US"/>
               <a:t>RS encoding guarantees that any K symbols out of the K+M symbols are sufficient to recover the original message</a:t>
+            </a:r>
+          </a:p>
+          <a:p>
+            <a:pPr lvl="1"/>
+            <a:endParaRPr lang="en-US"/>
+          </a:p>
+          <a:p>
+            <a:r>
+              <a:rPr lang="en-US"/>
+              <a:t>What about XOR encoding?</a:t>
             </a:r>
           </a:p>
         </p:txBody>
@@ -7214,6 +7232,67 @@
                       </p:childTnLst>
                     </p:cTn>
                   </p:par>
+                  <p:par>
+                    <p:cTn id="26" fill="hold">
+                      <p:stCondLst>
+                        <p:cond delay="indefinite"/>
+                      </p:stCondLst>
+                      <p:childTnLst>
+                        <p:par>
+                          <p:cTn id="27" fill="hold">
+                            <p:stCondLst>
+                              <p:cond delay="0"/>
+                            </p:stCondLst>
+                            <p:childTnLst>
+                              <p:par>
+                                <p:cTn id="28" presetID="10" presetClass="entr" presetSubtype="0" fill="hold" nodeType="clickEffect">
+                                  <p:stCondLst>
+                                    <p:cond delay="0"/>
+                                  </p:stCondLst>
+                                  <p:childTnLst>
+                                    <p:set>
+                                      <p:cBhvr>
+                                        <p:cTn id="29" dur="1" fill="hold">
+                                          <p:stCondLst>
+                                            <p:cond delay="0"/>
+                                          </p:stCondLst>
+                                        </p:cTn>
+                                        <p:tgtEl>
+                                          <p:spTgt spid="3">
+                                            <p:txEl>
+                                              <p:pRg st="9" end="9"/>
+                                            </p:txEl>
+                                          </p:spTgt>
+                                        </p:tgtEl>
+                                        <p:attrNameLst>
+                                          <p:attrName>style.visibility</p:attrName>
+                                        </p:attrNameLst>
+                                      </p:cBhvr>
+                                      <p:to>
+                                        <p:strVal val="visible"/>
+                                      </p:to>
+                                    </p:set>
+                                    <p:animEffect transition="in" filter="fade">
+                                      <p:cBhvr>
+                                        <p:cTn id="30" dur="500"/>
+                                        <p:tgtEl>
+                                          <p:spTgt spid="3">
+                                            <p:txEl>
+                                              <p:pRg st="9" end="9"/>
+                                            </p:txEl>
+                                          </p:spTgt>
+                                        </p:tgtEl>
+                                      </p:cBhvr>
+                                    </p:animEffect>
+                                  </p:childTnLst>
+                                </p:cTn>
+                              </p:par>
+                            </p:childTnLst>
+                          </p:cTn>
+                        </p:par>
+                      </p:childTnLst>
+                    </p:cTn>
+                  </p:par>
                 </p:childTnLst>
               </p:cTn>
               <p:prevCondLst>
@@ -8189,7 +8268,7 @@
         </p:nvSpPr>
         <p:spPr>
           <a:xfrm>
-            <a:off x="7166921" y="3862348"/>
+            <a:off x="7158212" y="3075057"/>
             <a:ext cx="3113902" cy="707886"/>
           </a:xfrm>
           <a:prstGeom prst="rect">
@@ -8212,6 +8291,41 @@
             <a:r>
               <a:rPr lang="en-US" sz="2000"/>
               <a:t>What about decoding?</a:t>
+            </a:r>
+          </a:p>
+        </p:txBody>
+      </p:sp>
+      <p:sp>
+        <p:nvSpPr>
+          <p:cNvPr id="3" name="TextBox 2">
+            <a:extLst>
+              <a:ext uri="{FF2B5EF4-FFF2-40B4-BE49-F238E27FC236}">
+                <a16:creationId xmlns:a16="http://schemas.microsoft.com/office/drawing/2014/main" id="{64ACFAB6-D8E0-4557-BE00-745E442DE4B9}"/>
+              </a:ext>
+            </a:extLst>
+          </p:cNvPr>
+          <p:cNvSpPr txBox="1"/>
+          <p:nvPr/>
+        </p:nvSpPr>
+        <p:spPr>
+          <a:xfrm>
+            <a:off x="7646126" y="3892731"/>
+            <a:ext cx="2342605" cy="830997"/>
+          </a:xfrm>
+          <a:prstGeom prst="rect">
+            <a:avLst/>
+          </a:prstGeom>
+          <a:noFill/>
+        </p:spPr>
+        <p:txBody>
+          <a:bodyPr wrap="square" rtlCol="0">
+            <a:spAutoFit/>
+          </a:bodyPr>
+          <a:lstStyle/>
+          <a:p>
+            <a:r>
+              <a:rPr lang="en-US" sz="1200"/>
+              <a:t>Generally twice as long as encoding.  Must regenerate lost checkpoint files and then decode them.</a:t>
             </a:r>
           </a:p>
         </p:txBody>
@@ -8445,6 +8559,59 @@
                       </p:childTnLst>
                     </p:cTn>
                   </p:par>
+                  <p:par>
+                    <p:cTn id="22" fill="hold">
+                      <p:stCondLst>
+                        <p:cond delay="indefinite"/>
+                      </p:stCondLst>
+                      <p:childTnLst>
+                        <p:par>
+                          <p:cTn id="23" fill="hold">
+                            <p:stCondLst>
+                              <p:cond delay="0"/>
+                            </p:stCondLst>
+                            <p:childTnLst>
+                              <p:par>
+                                <p:cTn id="24" presetID="10" presetClass="entr" presetSubtype="0" fill="hold" grpId="0" nodeType="clickEffect">
+                                  <p:stCondLst>
+                                    <p:cond delay="0"/>
+                                  </p:stCondLst>
+                                  <p:childTnLst>
+                                    <p:set>
+                                      <p:cBhvr>
+                                        <p:cTn id="25" dur="1" fill="hold">
+                                          <p:stCondLst>
+                                            <p:cond delay="0"/>
+                                          </p:stCondLst>
+                                        </p:cTn>
+                                        <p:tgtEl>
+                                          <p:spTgt spid="3"/>
+                                        </p:tgtEl>
+                                        <p:attrNameLst>
+                                          <p:attrName>style.visibility</p:attrName>
+                                        </p:attrNameLst>
+                                      </p:cBhvr>
+                                      <p:to>
+                                        <p:strVal val="visible"/>
+                                      </p:to>
+                                    </p:set>
+                                    <p:animEffect transition="in" filter="fade">
+                                      <p:cBhvr>
+                                        <p:cTn id="26" dur="500"/>
+                                        <p:tgtEl>
+                                          <p:spTgt spid="3"/>
+                                        </p:tgtEl>
+                                      </p:cBhvr>
+                                    </p:animEffect>
+                                  </p:childTnLst>
+                                </p:cTn>
+                              </p:par>
+                            </p:childTnLst>
+                          </p:cTn>
+                        </p:par>
+                      </p:childTnLst>
+                    </p:cTn>
+                  </p:par>
                 </p:childTnLst>
               </p:cTn>
               <p:prevCondLst>
@@ -8472,6 +8639,7 @@
       <p:bldP spid="13" grpId="0"/>
       <p:bldP spid="14" grpId="0"/>
       <p:bldP spid="15" grpId="0"/>
+      <p:bldP spid="3" grpId="0"/>
     </p:bldLst>
   </p:timing>
 </p:sld>
@@ -8557,13 +8725,14 @@
           <a:p>
             <a:r>
               <a:rPr lang="en-US"/>
-              <a:t>GPUs have larger throughput than CPUs, so parallel GPU/CPU mappings tend to leave some CPU cores unused</a:t>
-            </a:r>
-          </a:p>
-          <a:p>
-            <a:r>
-              <a:rPr lang="en-US"/>
-              <a:t>We can use these extra cores for resiliency</a:t>
+              <a:t>Hybrid systems often have “idle” resources that can be exploited to increase resiliency.  Where does this come from?</a:t>
+            </a:r>
+          </a:p>
+          <a:p>
+            <a:pPr lvl="1"/>
+            <a:r>
+              <a:rPr lang="en-US"/>
+              <a:t>GPUs have larger throughput than CPUs, so parallel GPU/CPU mappings tend to leave some CPU cores unused (idle)</a:t>
             </a:r>
           </a:p>
           <a:p>
@@ -8620,6 +8789,158 @@
   <p:clrMapOvr>
     <a:masterClrMapping/>
   </p:clrMapOvr>
+  <p:timing>
+    <p:tnLst>
+      <p:par>
+        <p:cTn id="1" dur="indefinite" restart="never" nodeType="tmRoot">
+          <p:childTnLst>
+            <p:seq concurrent="1" nextAc="seek">
+              <p:cTn id="2" dur="indefinite" nodeType="mainSeq">
+                <p:childTnLst>
+                  <p:par>
+                    <p:cTn id="3" fill="hold">
+                      <p:stCondLst>
+                        <p:cond delay="indefinite"/>
+                      </p:stCondLst>
+                      <p:childTnLst>
+                        <p:par>
+                          <p:cTn id="4" fill="hold">
+                            <p:stCondLst>
+                              <p:cond delay="0"/>
+                            </p:stCondLst>
+                            <p:childTnLst>
+                              <p:par>
+                                <p:cTn id="5" presetID="10" presetClass="entr" presetSubtype="0" fill="hold" nodeType="clickEffect">
+                                  <p:stCondLst>
+                                    <p:cond delay="0"/>
+                                  </p:stCondLst>
+                                  <p:childTnLst>
+                                    <p:set>
+                                      <p:cBhvr>
+                                        <p:cTn id="6" dur="1" fill="hold">
+                                          <p:stCondLst>
+                                            <p:cond delay="0"/>
+                                          </p:stCondLst>
+                                        </p:cTn>
+                                        <p:tgtEl>
+                                          <p:spTgt spid="3">
+                                            <p:txEl>
+                                              <p:pRg st="1" end="1"/>
+                                            </p:txEl>
+                                          </p:spTgt>
+                                        </p:tgtEl>
+                                        <p:attrNameLst>
+                                          <p:attrName>style.visibility</p:attrName>
+                                        </p:attrNameLst>
+                                      </p:cBhvr>
+                                      <p:to>
+                                        <p:strVal val="visible"/>
+                                      </p:to>
+                                    </p:set>
+                                    <p:animEffect transition="in" filter="fade">
+                                      <p:cBhvr>
+                                        <p:cTn id="7" dur="500"/>
+                                        <p:tgtEl>
+                                          <p:spTgt spid="3">
+                                            <p:txEl>
+                                              <p:pRg st="1" end="1"/>
+                                            </p:txEl>
+                                          </p:spTgt>
+                                        </p:tgtEl>
+                                      </p:cBhvr>
+                                    </p:animEffect>
+                                  </p:childTnLst>
+                                </p:cTn>
+                              </p:par>
+                            </p:childTnLst>
+                          </p:cTn>
+                        </p:par>
+                      </p:childTnLst>
+                    </p:cTn>
+                  </p:par>
+                  <p:par>
+                    <p:cTn id="8" fill="hold">
+                      <p:stCondLst>
+                        <p:cond delay="indefinite"/>
+                      </p:stCondLst>
+                      <p:childTnLst>
+                        <p:par>
+                          <p:cTn id="9" fill="hold">
+                            <p:stCondLst>
+                              <p:cond delay="0"/>
+                            </p:stCondLst>
+                            <p:childTnLst>
+                              <p:par>
+                                <p:cTn id="10" presetID="10" presetClass="entr" presetSubtype="0" fill="hold" nodeType="clickEffect">
+                                  <p:stCondLst>
+                                    <p:cond delay="0"/>
+                                  </p:stCondLst>
+                                  <p:childTnLst>
+                                    <p:set>
+                                      <p:cBhvr>
+                                        <p:cTn id="11" dur="1" fill="hold">
+                                          <p:stCondLst>
+                                            <p:cond delay="0"/>
+                                          </p:stCondLst>
+                                        </p:cTn>
+                                        <p:tgtEl>
+                                          <p:spTgt spid="3">
+                                            <p:txEl>
+                                              <p:pRg st="2" end="2"/>
+                                            </p:txEl>
+                                          </p:spTgt>
+                                        </p:tgtEl>
+                                        <p:attrNameLst>
+                                          <p:attrName>style.visibility</p:attrName>
+                                        </p:attrNameLst>
+                                      </p:cBhvr>
+                                      <p:to>
+                                        <p:strVal val="visible"/>
+                                      </p:to>
+                                    </p:set>
+                                    <p:animEffect transition="in" filter="fade">
+                                      <p:cBhvr>
+                                        <p:cTn id="12" dur="500"/>
+                                        <p:tgtEl>
+                                          <p:spTgt spid="3">
+                                            <p:txEl>
+                                              <p:pRg st="2" end="2"/>
+                                            </p:txEl>
+                                          </p:spTgt>
+                                        </p:tgtEl>
+                                      </p:cBhvr>
+                                    </p:animEffect>
+                                  </p:childTnLst>
+                                </p:cTn>
+                              </p:par>
+                            </p:childTnLst>
+                          </p:cTn>
+                        </p:par>
+                      </p:childTnLst>
+                    </p:cTn>
+                  </p:par>
+                </p:childTnLst>
+              </p:cTn>
+              <p:prevCondLst>
+                <p:cond evt="onPrev" delay="0">
+                  <p:tgtEl>
+                    <p:sldTgt/>
+                  </p:tgtEl>
+                </p:cond>
+              </p:prevCondLst>
+              <p:nextCondLst>
+                <p:cond evt="onNext" delay="0">
+                  <p:tgtEl>
+                    <p:sldTgt/>
+                  </p:tgtEl>
+                </p:cond>
+              </p:nextCondLst>
+            </p:seq>
+          </p:childTnLst>
+        </p:cTn>
+      </p:par>
+    </p:tnLst>
+  </p:timing>
 </p:sld>
 </file>
 
@@ -12271,6 +12592,69 @@
     <p:extLst>
       <p:ext uri="{BB962C8B-B14F-4D97-AF65-F5344CB8AC3E}">
         <p14:creationId xmlns:p14="http://schemas.microsoft.com/office/powerpoint/2010/main" val="521397166"/>
+      </p:ext>
+    </p:extLst>
+  </p:cSld>
+  <p:clrMapOvr>
+    <a:masterClrMapping/>
+  </p:clrMapOvr>
+</p:sld>
+</file>
+
+<file path=ppt/slides/slide29.xml><?xml version="1.0" encoding="utf-8"?>
+<p:sld xmlns:a="http://schemas.openxmlformats.org/drawingml/2006/main" xmlns:r="http://schemas.openxmlformats.org/officeDocument/2006/relationships" xmlns:p="http://schemas.openxmlformats.org/presentationml/2006/main">
+  <p:cSld>
+    <p:spTree>
+      <p:nvGrpSpPr>
+        <p:cNvPr id="1" name=""/>
+        <p:cNvGrpSpPr/>
+        <p:nvPr/>
+      </p:nvGrpSpPr>
+      <p:grpSpPr>
+        <a:xfrm>
+          <a:off x="0" y="0"/>
+          <a:ext cx="0" cy="0"/>
+          <a:chOff x="0" y="0"/>
+          <a:chExt cx="0" cy="0"/>
+        </a:xfrm>
+      </p:grpSpPr>
+      <p:sp>
+        <p:nvSpPr>
+          <p:cNvPr id="2" name="Title 1">
+            <a:extLst>
+              <a:ext uri="{FF2B5EF4-FFF2-40B4-BE49-F238E27FC236}">
+                <a16:creationId xmlns:a16="http://schemas.microsoft.com/office/drawing/2014/main" id="{0F43293A-1C9C-41F8-9AED-5D2FEEF8C8E6}"/>
+              </a:ext>
+            </a:extLst>
+          </p:cNvPr>
+          <p:cNvSpPr>
+            <a:spLocks noGrp="1"/>
+          </p:cNvSpPr>
+          <p:nvPr>
+            <p:ph type="title"/>
+          </p:nvPr>
+        </p:nvSpPr>
+        <p:spPr>
+          <a:xfrm>
+            <a:off x="686044" y="2525486"/>
+            <a:ext cx="8596668" cy="1000477"/>
+          </a:xfrm>
+        </p:spPr>
+        <p:txBody>
+          <a:bodyPr/>
+          <a:lstStyle/>
+          <a:p>
+            <a:r>
+              <a:rPr lang="en-US"/>
+              <a:t>Questions / Discussion</a:t>
+            </a:r>
+          </a:p>
+        </p:txBody>
+      </p:sp>
+    </p:spTree>
+    <p:extLst>
+      <p:ext uri="{BB962C8B-B14F-4D97-AF65-F5344CB8AC3E}">
+        <p14:creationId xmlns:p14="http://schemas.microsoft.com/office/powerpoint/2010/main" val="3756150839"/>
       </p:ext>
     </p:extLst>
   </p:cSld>
